--- a/src/pages/en/events/2024-09-13/slides/99_QandA_en.pptx
+++ b/src/pages/en/events/2024-09-13/slides/99_QandA_en.pptx
@@ -138,7 +138,7 @@
   <pc:docChgLst>
     <pc:chgData name="佐藤　寛也" userId="27837c8b-abaf-4096-b544-58e4cbe7054e" providerId="ADAL" clId="{4F5F3836-546E-46AB-B966-59C945BBBAE6}"/>
     <pc:docChg chg="undo custSel addSld delSld modSld">
-      <pc:chgData name="佐藤　寛也" userId="27837c8b-abaf-4096-b544-58e4cbe7054e" providerId="ADAL" clId="{4F5F3836-546E-46AB-B966-59C945BBBAE6}" dt="2024-09-14T01:46:54.906" v="660" actId="20577"/>
+      <pc:chgData name="佐藤　寛也" userId="27837c8b-abaf-4096-b544-58e4cbe7054e" providerId="ADAL" clId="{4F5F3836-546E-46AB-B966-59C945BBBAE6}" dt="2024-09-14T03:57:01.984" v="702" actId="20577"/>
       <pc:docMkLst>
         <pc:docMk/>
       </pc:docMkLst>
@@ -181,7 +181,7 @@
         </pc:picChg>
       </pc:sldChg>
       <pc:sldChg chg="delSp modSp mod">
-        <pc:chgData name="佐藤　寛也" userId="27837c8b-abaf-4096-b544-58e4cbe7054e" providerId="ADAL" clId="{4F5F3836-546E-46AB-B966-59C945BBBAE6}" dt="2024-09-14T01:46:54.906" v="660" actId="20577"/>
+        <pc:chgData name="佐藤　寛也" userId="27837c8b-abaf-4096-b544-58e4cbe7054e" providerId="ADAL" clId="{4F5F3836-546E-46AB-B966-59C945BBBAE6}" dt="2024-09-14T03:57:01.984" v="702" actId="20577"/>
         <pc:sldMkLst>
           <pc:docMk/>
           <pc:sldMk cId="3505539146" sldId="266"/>
@@ -203,7 +203,7 @@
           </ac:spMkLst>
         </pc:spChg>
         <pc:spChg chg="mod">
-          <ac:chgData name="佐藤　寛也" userId="27837c8b-abaf-4096-b544-58e4cbe7054e" providerId="ADAL" clId="{4F5F3836-546E-46AB-B966-59C945BBBAE6}" dt="2024-09-14T01:46:54.906" v="660" actId="20577"/>
+          <ac:chgData name="佐藤　寛也" userId="27837c8b-abaf-4096-b544-58e4cbe7054e" providerId="ADAL" clId="{4F5F3836-546E-46AB-B966-59C945BBBAE6}" dt="2024-09-14T03:57:01.984" v="702" actId="20577"/>
           <ac:spMkLst>
             <pc:docMk/>
             <pc:sldMk cId="3505539146" sldId="266"/>
@@ -305,7 +305,7 @@
         </pc:spChg>
       </pc:sldChg>
       <pc:sldChg chg="modSp add mod">
-        <pc:chgData name="佐藤　寛也" userId="27837c8b-abaf-4096-b544-58e4cbe7054e" providerId="ADAL" clId="{4F5F3836-546E-46AB-B966-59C945BBBAE6}" dt="2024-09-14T01:45:38.672" v="639" actId="2710"/>
+        <pc:chgData name="佐藤　寛也" userId="27837c8b-abaf-4096-b544-58e4cbe7054e" providerId="ADAL" clId="{4F5F3836-546E-46AB-B966-59C945BBBAE6}" dt="2024-09-14T03:56:51.604" v="700" actId="113"/>
         <pc:sldMkLst>
           <pc:docMk/>
           <pc:sldMk cId="1221863125" sldId="270"/>
@@ -319,7 +319,7 @@
           </ac:spMkLst>
         </pc:spChg>
         <pc:spChg chg="mod">
-          <ac:chgData name="佐藤　寛也" userId="27837c8b-abaf-4096-b544-58e4cbe7054e" providerId="ADAL" clId="{4F5F3836-546E-46AB-B966-59C945BBBAE6}" dt="2024-09-14T01:45:38.672" v="639" actId="2710"/>
+          <ac:chgData name="佐藤　寛也" userId="27837c8b-abaf-4096-b544-58e4cbe7054e" providerId="ADAL" clId="{4F5F3836-546E-46AB-B966-59C945BBBAE6}" dt="2024-09-14T03:56:51.604" v="700" actId="113"/>
           <ac:spMkLst>
             <pc:docMk/>
             <pc:sldMk cId="1221863125" sldId="270"/>
@@ -4255,7 +4255,7 @@
                 </a:solidFill>
                 <a:latin typeface="Consolas" panose="020B0609020204030204" pitchFamily="49" charset="0"/>
               </a:rPr>
-              <a:t>Ver 3.00 </a:t>
+              <a:t>Ver 3.01 </a:t>
             </a:r>
             <a:r>
               <a:rPr kumimoji="1" lang="en-US" altLang="ja-JP" sz="1400" dirty="0">
@@ -5662,7 +5662,45 @@
                 <a:effectLst/>
                 <a:latin typeface="Inter"/>
               </a:rPr>
-              <a:t> Gmail account. Can I use a </a:t>
+              <a:t> Gmail </a:t>
+            </a:r>
+            <a:r>
+              <a:rPr lang="en-US" altLang="ja-JP" i="1" dirty="0">
+                <a:solidFill>
+                  <a:srgbClr val="161616"/>
+                </a:solidFill>
+                <a:effectLst/>
+                <a:latin typeface="Inter"/>
+              </a:rPr>
+              <a:t>account</a:t>
+            </a:r>
+            <a:r>
+              <a:rPr lang="ja-JP" altLang="en-US" i="1" dirty="0">
+                <a:solidFill>
+                  <a:srgbClr val="161616"/>
+                </a:solidFill>
+                <a:latin typeface="Inter"/>
+              </a:rPr>
+              <a:t> </a:t>
+            </a:r>
+            <a:r>
+              <a:rPr lang="en-US" altLang="ja-JP" i="1" dirty="0">
+                <a:solidFill>
+                  <a:srgbClr val="161616"/>
+                </a:solidFill>
+                <a:latin typeface="Inter"/>
+              </a:rPr>
+              <a:t>(ECCS Cloud Email)</a:t>
+            </a:r>
+            <a:r>
+              <a:rPr lang="en-US" altLang="ja-JP" b="1" i="1" dirty="0">
+                <a:solidFill>
+                  <a:srgbClr val="161616"/>
+                </a:solidFill>
+                <a:effectLst/>
+                <a:latin typeface="Inter"/>
+              </a:rPr>
+              <a:t>. Can I use a </a:t>
             </a:r>
             <a:r>
               <a:rPr lang="en-US" altLang="ja-JP" b="1" i="1" dirty="0" err="1">
@@ -7947,6 +7985,15 @@
 </file>
 
 <file path=customXml/item1.xml><?xml version="1.0" encoding="utf-8"?>
+<?mso-contentType ?>
+<FormTemplates xmlns="http://schemas.microsoft.com/sharepoint/v3/contenttype/forms">
+  <Display>DocumentLibraryForm</Display>
+  <Edit>DocumentLibraryForm</Edit>
+  <New>DocumentLibraryForm</New>
+</FormTemplates>
+</file>
+
+<file path=customXml/item2.xml><?xml version="1.0" encoding="utf-8"?>
 <p:properties xmlns:p="http://schemas.microsoft.com/office/2006/metadata/properties" xmlns:xsi="http://www.w3.org/2001/XMLSchema-instance" xmlns:pc="http://schemas.microsoft.com/office/infopath/2007/PartnerControls">
   <documentManagement>
     <TaxCatchAll xmlns="334cf2e0-0245-4f40-82a3-a831e5e7775a" xsi:nil="true"/>
@@ -7955,15 +8002,6 @@
     </lcf76f155ced4ddcb4097134ff3c332f>
   </documentManagement>
 </p:properties>
-</file>
-
-<file path=customXml/item2.xml><?xml version="1.0" encoding="utf-8"?>
-<?mso-contentType ?>
-<FormTemplates xmlns="http://schemas.microsoft.com/sharepoint/v3/contenttype/forms">
-  <Display>DocumentLibraryForm</Display>
-  <Edit>DocumentLibraryForm</Edit>
-  <New>DocumentLibraryForm</New>
-</FormTemplates>
 </file>
 
 <file path=customXml/item3.xml><?xml version="1.0" encoding="utf-8"?>
@@ -8210,26 +8248,26 @@
 </file>
 
 <file path=customXml/itemProps1.xml><?xml version="1.0" encoding="utf-8"?>
-<ds:datastoreItem xmlns:ds="http://schemas.openxmlformats.org/officeDocument/2006/customXml" ds:itemID="{613B5A8C-C2D2-4C49-A03B-B41437F9A3AD}">
+<ds:datastoreItem xmlns:ds="http://schemas.openxmlformats.org/officeDocument/2006/customXml" ds:itemID="{6130639F-8A0E-4631-BB2C-1307E9C18413}">
   <ds:schemaRefs>
-    <ds:schemaRef ds:uri="334cf2e0-0245-4f40-82a3-a831e5e7775a"/>
-    <ds:schemaRef ds:uri="http://purl.org/dc/terms/"/>
-    <ds:schemaRef ds:uri="http://schemas.microsoft.com/office/2006/documentManagement/types"/>
-    <ds:schemaRef ds:uri="http://purl.org/dc/dcmitype/"/>
-    <ds:schemaRef ds:uri="d89fd5b0-f297-46a7-8c43-79b7b7b34272"/>
-    <ds:schemaRef ds:uri="http://schemas.microsoft.com/office/2006/metadata/properties"/>
-    <ds:schemaRef ds:uri="http://purl.org/dc/elements/1.1/"/>
-    <ds:schemaRef ds:uri="http://schemas.microsoft.com/office/infopath/2007/PartnerControls"/>
-    <ds:schemaRef ds:uri="http://schemas.openxmlformats.org/package/2006/metadata/core-properties"/>
-    <ds:schemaRef ds:uri="http://www.w3.org/XML/1998/namespace"/>
+    <ds:schemaRef ds:uri="http://schemas.microsoft.com/sharepoint/v3/contenttype/forms"/>
   </ds:schemaRefs>
 </ds:datastoreItem>
 </file>
 
 <file path=customXml/itemProps2.xml><?xml version="1.0" encoding="utf-8"?>
-<ds:datastoreItem xmlns:ds="http://schemas.openxmlformats.org/officeDocument/2006/customXml" ds:itemID="{6130639F-8A0E-4631-BB2C-1307E9C18413}">
+<ds:datastoreItem xmlns:ds="http://schemas.openxmlformats.org/officeDocument/2006/customXml" ds:itemID="{613B5A8C-C2D2-4C49-A03B-B41437F9A3AD}">
   <ds:schemaRefs>
-    <ds:schemaRef ds:uri="http://schemas.microsoft.com/sharepoint/v3/contenttype/forms"/>
+    <ds:schemaRef ds:uri="334cf2e0-0245-4f40-82a3-a831e5e7775a"/>
+    <ds:schemaRef ds:uri="http://purl.org/dc/terms/"/>
+    <ds:schemaRef ds:uri="http://purl.org/dc/dcmitype/"/>
+    <ds:schemaRef ds:uri="http://purl.org/dc/elements/1.1/"/>
+    <ds:schemaRef ds:uri="http://schemas.microsoft.com/office/2006/documentManagement/types"/>
+    <ds:schemaRef ds:uri="http://www.w3.org/XML/1998/namespace"/>
+    <ds:schemaRef ds:uri="http://schemas.microsoft.com/office/infopath/2007/PartnerControls"/>
+    <ds:schemaRef ds:uri="http://schemas.openxmlformats.org/package/2006/metadata/core-properties"/>
+    <ds:schemaRef ds:uri="d89fd5b0-f297-46a7-8c43-79b7b7b34272"/>
+    <ds:schemaRef ds:uri="http://schemas.microsoft.com/office/2006/metadata/properties"/>
   </ds:schemaRefs>
 </ds:datastoreItem>
 </file>
